--- a/Documentation/Space Shooter Seminaari 2.pptx
+++ b/Documentation/Space Shooter Seminaari 2.pptx
@@ -5909,7 +5909,7 @@
       </p:grpSpPr>
       <p:pic>
         <p:nvPicPr>
-          <p:cNvPr id="5" name="Picture 4"/>
+          <p:cNvPr id="7" name="Picture 6"/>
           <p:cNvPicPr>
             <a:picLocks noChangeAspect="1"/>
           </p:cNvPicPr>
@@ -5923,8 +5923,8 @@
         </p:blipFill>
         <p:spPr>
           <a:xfrm>
-            <a:off x="-538163" y="-581025"/>
-            <a:ext cx="13268325" cy="8020050"/>
+            <a:off x="-371475" y="-585788"/>
+            <a:ext cx="12934950" cy="8029575"/>
           </a:xfrm>
           <a:prstGeom prst="rect">
             <a:avLst/>
@@ -5939,7 +5939,7 @@
         </p:nvSpPr>
         <p:spPr>
           <a:xfrm>
-            <a:off x="-200026" y="2400300"/>
+            <a:off x="-193675" y="2425700"/>
             <a:ext cx="5057775" cy="1754326"/>
           </a:xfrm>
           <a:prstGeom prst="rect">

--- a/Documentation/Space Shooter Seminaari 2.pptx
+++ b/Documentation/Space Shooter Seminaari 2.pptx
@@ -107,6 +107,11 @@
       </a:defRPr>
     </a:lvl9pPr>
   </p:defaultTextStyle>
+  <p:extLst>
+    <p:ext uri="{EFAFB233-063F-42B5-8137-9DF3F51BA10A}">
+      <p15:sldGuideLst xmlns:p15="http://schemas.microsoft.com/office/powerpoint/2012/main"/>
+    </p:ext>
+  </p:extLst>
 </p:presentation>
 </file>
 
@@ -280,7 +285,7 @@
           <a:p>
             <a:fld id="{51E21D40-CF93-4156-AF49-122C6F2FF9DA}" type="datetimeFigureOut">
               <a:rPr lang="fi-FI" smtClean="0"/>
-              <a:t>25.4.2016</a:t>
+              <a:t>27.4.2016</a:t>
             </a:fld>
             <a:endParaRPr lang="fi-FI"/>
           </a:p>
@@ -547,7 +552,7 @@
           <a:p>
             <a:fld id="{51E21D40-CF93-4156-AF49-122C6F2FF9DA}" type="datetimeFigureOut">
               <a:rPr lang="fi-FI" smtClean="0"/>
-              <a:t>25.4.2016</a:t>
+              <a:t>27.4.2016</a:t>
             </a:fld>
             <a:endParaRPr lang="fi-FI"/>
           </a:p>
@@ -778,7 +783,7 @@
           <a:p>
             <a:fld id="{51E21D40-CF93-4156-AF49-122C6F2FF9DA}" type="datetimeFigureOut">
               <a:rPr lang="fi-FI" smtClean="0"/>
-              <a:t>25.4.2016</a:t>
+              <a:t>27.4.2016</a:t>
             </a:fld>
             <a:endParaRPr lang="fi-FI"/>
           </a:p>
@@ -1088,7 +1093,7 @@
           <a:p>
             <a:fld id="{51E21D40-CF93-4156-AF49-122C6F2FF9DA}" type="datetimeFigureOut">
               <a:rPr lang="fi-FI" smtClean="0"/>
-              <a:t>25.4.2016</a:t>
+              <a:t>27.4.2016</a:t>
             </a:fld>
             <a:endParaRPr lang="fi-FI"/>
           </a:p>
@@ -1561,7 +1566,7 @@
           <a:p>
             <a:fld id="{51E21D40-CF93-4156-AF49-122C6F2FF9DA}" type="datetimeFigureOut">
               <a:rPr lang="fi-FI" smtClean="0"/>
-              <a:t>25.4.2016</a:t>
+              <a:t>27.4.2016</a:t>
             </a:fld>
             <a:endParaRPr lang="fi-FI"/>
           </a:p>
@@ -2108,7 +2113,7 @@
           <a:p>
             <a:fld id="{51E21D40-CF93-4156-AF49-122C6F2FF9DA}" type="datetimeFigureOut">
               <a:rPr lang="fi-FI" smtClean="0"/>
-              <a:t>25.4.2016</a:t>
+              <a:t>27.4.2016</a:t>
             </a:fld>
             <a:endParaRPr lang="fi-FI"/>
           </a:p>
@@ -2882,7 +2887,7 @@
           <a:p>
             <a:fld id="{51E21D40-CF93-4156-AF49-122C6F2FF9DA}" type="datetimeFigureOut">
               <a:rPr lang="fi-FI" smtClean="0"/>
-              <a:t>25.4.2016</a:t>
+              <a:t>27.4.2016</a:t>
             </a:fld>
             <a:endParaRPr lang="fi-FI"/>
           </a:p>
@@ -3057,7 +3062,7 @@
           <a:p>
             <a:fld id="{51E21D40-CF93-4156-AF49-122C6F2FF9DA}" type="datetimeFigureOut">
               <a:rPr lang="fi-FI" smtClean="0"/>
-              <a:t>25.4.2016</a:t>
+              <a:t>27.4.2016</a:t>
             </a:fld>
             <a:endParaRPr lang="fi-FI"/>
           </a:p>
@@ -3280,7 +3285,7 @@
           <a:p>
             <a:fld id="{51E21D40-CF93-4156-AF49-122C6F2FF9DA}" type="datetimeFigureOut">
               <a:rPr lang="fi-FI" smtClean="0"/>
-              <a:t>25.4.2016</a:t>
+              <a:t>27.4.2016</a:t>
             </a:fld>
             <a:endParaRPr lang="fi-FI"/>
           </a:p>
@@ -3460,7 +3465,7 @@
           <a:p>
             <a:fld id="{51E21D40-CF93-4156-AF49-122C6F2FF9DA}" type="datetimeFigureOut">
               <a:rPr lang="fi-FI" smtClean="0"/>
-              <a:t>25.4.2016</a:t>
+              <a:t>27.4.2016</a:t>
             </a:fld>
             <a:endParaRPr lang="fi-FI"/>
           </a:p>
@@ -3749,7 +3754,7 @@
           <a:p>
             <a:fld id="{51E21D40-CF93-4156-AF49-122C6F2FF9DA}" type="datetimeFigureOut">
               <a:rPr lang="fi-FI" smtClean="0"/>
-              <a:t>25.4.2016</a:t>
+              <a:t>27.4.2016</a:t>
             </a:fld>
             <a:endParaRPr lang="fi-FI"/>
           </a:p>
@@ -3991,7 +3996,7 @@
           <a:p>
             <a:fld id="{51E21D40-CF93-4156-AF49-122C6F2FF9DA}" type="datetimeFigureOut">
               <a:rPr lang="fi-FI" smtClean="0"/>
-              <a:t>25.4.2016</a:t>
+              <a:t>27.4.2016</a:t>
             </a:fld>
             <a:endParaRPr lang="fi-FI"/>
           </a:p>
@@ -4370,7 +4375,7 @@
           <a:p>
             <a:fld id="{51E21D40-CF93-4156-AF49-122C6F2FF9DA}" type="datetimeFigureOut">
               <a:rPr lang="fi-FI" smtClean="0"/>
-              <a:t>25.4.2016</a:t>
+              <a:t>27.4.2016</a:t>
             </a:fld>
             <a:endParaRPr lang="fi-FI"/>
           </a:p>
@@ -4488,7 +4493,7 @@
           <a:p>
             <a:fld id="{51E21D40-CF93-4156-AF49-122C6F2FF9DA}" type="datetimeFigureOut">
               <a:rPr lang="fi-FI" smtClean="0"/>
-              <a:t>25.4.2016</a:t>
+              <a:t>27.4.2016</a:t>
             </a:fld>
             <a:endParaRPr lang="fi-FI"/>
           </a:p>
@@ -4583,7 +4588,7 @@
           <a:p>
             <a:fld id="{51E21D40-CF93-4156-AF49-122C6F2FF9DA}" type="datetimeFigureOut">
               <a:rPr lang="fi-FI" smtClean="0"/>
-              <a:t>25.4.2016</a:t>
+              <a:t>27.4.2016</a:t>
             </a:fld>
             <a:endParaRPr lang="fi-FI"/>
           </a:p>
@@ -4832,7 +4837,7 @@
           <a:p>
             <a:fld id="{51E21D40-CF93-4156-AF49-122C6F2FF9DA}" type="datetimeFigureOut">
               <a:rPr lang="fi-FI" smtClean="0"/>
-              <a:t>25.4.2016</a:t>
+              <a:t>27.4.2016</a:t>
             </a:fld>
             <a:endParaRPr lang="fi-FI"/>
           </a:p>
@@ -5089,7 +5094,7 @@
           <a:p>
             <a:fld id="{51E21D40-CF93-4156-AF49-122C6F2FF9DA}" type="datetimeFigureOut">
               <a:rPr lang="fi-FI" smtClean="0"/>
-              <a:t>25.4.2016</a:t>
+              <a:t>27.4.2016</a:t>
             </a:fld>
             <a:endParaRPr lang="fi-FI"/>
           </a:p>
@@ -5332,7 +5337,7 @@
           <a:p>
             <a:fld id="{51E21D40-CF93-4156-AF49-122C6F2FF9DA}" type="datetimeFigureOut">
               <a:rPr lang="fi-FI" smtClean="0"/>
-              <a:t>25.4.2016</a:t>
+              <a:t>27.4.2016</a:t>
             </a:fld>
             <a:endParaRPr lang="fi-FI"/>
           </a:p>
@@ -5940,7 +5945,7 @@
         <p:spPr>
           <a:xfrm>
             <a:off x="-193675" y="2425700"/>
-            <a:ext cx="5057775" cy="1754326"/>
+            <a:ext cx="5057775" cy="1200329"/>
           </a:xfrm>
           <a:prstGeom prst="rect">
             <a:avLst/>
@@ -5959,7 +5964,15 @@
                   <a:schemeClr val="bg1"/>
                 </a:solidFill>
               </a:rPr>
-              <a:t>Lopullinen raskaalla kädellä  karsittu luokkakaavio:</a:t>
+              <a:t>Lopullinen (karsittu) </a:t>
+            </a:r>
+            <a:r>
+              <a:rPr lang="fi-FI" sz="3600" dirty="0" smtClean="0">
+                <a:solidFill>
+                  <a:schemeClr val="bg1"/>
+                </a:solidFill>
+              </a:rPr>
+              <a:t>luokkakaavio:</a:t>
             </a:r>
             <a:endParaRPr lang="fi-FI" sz="3600" dirty="0">
               <a:solidFill>
@@ -6041,7 +6054,11 @@
           <a:p>
             <a:r>
               <a:rPr lang="fi-FI" sz="3200" dirty="0"/>
-              <a:t>Työtunteja 137 </a:t>
+              <a:t>Työtunteja </a:t>
+            </a:r>
+            <a:r>
+              <a:rPr lang="fi-FI" sz="3200" dirty="0" smtClean="0"/>
+              <a:t>157 </a:t>
             </a:r>
             <a:r>
               <a:rPr lang="fi-FI" sz="3200" dirty="0" smtClean="0"/>
@@ -6051,13 +6068,29 @@
           <a:p>
             <a:r>
               <a:rPr lang="fi-FI" sz="3200" dirty="0" smtClean="0"/>
-              <a:t>Rivejä noin 2400</a:t>
-            </a:r>
-          </a:p>
-          <a:p>
+              <a:t>Koodir</a:t>
+            </a:r>
             <a:r>
               <a:rPr lang="fi-FI" sz="3200" dirty="0" smtClean="0"/>
-              <a:t>275 </a:t>
+              <a:t>ivejä </a:t>
+            </a:r>
+            <a:r>
+              <a:rPr lang="fi-FI" sz="3200" dirty="0" smtClean="0"/>
+              <a:t>noin 2400</a:t>
+            </a:r>
+          </a:p>
+          <a:p>
+            <a:r>
+              <a:rPr lang="fi-FI" sz="3200" dirty="0"/>
+              <a:t>&gt;</a:t>
+            </a:r>
+            <a:r>
+              <a:rPr lang="fi-FI" sz="3200" dirty="0" smtClean="0"/>
+              <a:t>320</a:t>
+            </a:r>
+            <a:r>
+              <a:rPr lang="fi-FI" sz="3200" dirty="0" smtClean="0"/>
+              <a:t> </a:t>
             </a:r>
             <a:r>
               <a:rPr lang="fi-FI" sz="3200" dirty="0" err="1" smtClean="0"/>

--- a/Documentation/Space Shooter Seminaari 2.pptx
+++ b/Documentation/Space Shooter Seminaari 2.pptx
@@ -5914,22 +5914,28 @@
       </p:grpSpPr>
       <p:pic>
         <p:nvPicPr>
-          <p:cNvPr id="7" name="Picture 6"/>
+          <p:cNvPr id="3" name="Kuva 2"/>
           <p:cNvPicPr>
             <a:picLocks noChangeAspect="1"/>
           </p:cNvPicPr>
           <p:nvPr/>
         </p:nvPicPr>
         <p:blipFill>
-          <a:blip r:embed="rId2"/>
+          <a:blip r:embed="rId2">
+            <a:extLst>
+              <a:ext uri="{28A0092B-C50C-407E-A947-70E740481C1C}">
+                <a14:useLocalDpi xmlns:a14="http://schemas.microsoft.com/office/drawing/2010/main" val="0"/>
+              </a:ext>
+            </a:extLst>
+          </a:blip>
           <a:stretch>
             <a:fillRect/>
           </a:stretch>
         </p:blipFill>
         <p:spPr>
           <a:xfrm>
-            <a:off x="-371475" y="-585788"/>
-            <a:ext cx="12934950" cy="8029575"/>
+            <a:off x="1" y="0"/>
+            <a:ext cx="12192000" cy="6858000"/>
           </a:xfrm>
           <a:prstGeom prst="rect">
             <a:avLst/>
@@ -5944,7 +5950,7 @@
         </p:nvSpPr>
         <p:spPr>
           <a:xfrm>
-            <a:off x="-193675" y="2425700"/>
+            <a:off x="0" y="2228671"/>
             <a:ext cx="5057775" cy="1200329"/>
           </a:xfrm>
           <a:prstGeom prst="rect">
@@ -5964,15 +5970,7 @@
                   <a:schemeClr val="bg1"/>
                 </a:solidFill>
               </a:rPr>
-              <a:t>Lopullinen (karsittu) </a:t>
-            </a:r>
-            <a:r>
-              <a:rPr lang="fi-FI" sz="3600" dirty="0" smtClean="0">
-                <a:solidFill>
-                  <a:schemeClr val="bg1"/>
-                </a:solidFill>
-              </a:rPr>
-              <a:t>luokkakaavio:</a:t>
+              <a:t>Lopullinen (karsittu) luokkakaavio:</a:t>
             </a:r>
             <a:endParaRPr lang="fi-FI" sz="3600" dirty="0">
               <a:solidFill>
@@ -6058,25 +6056,13 @@
             </a:r>
             <a:r>
               <a:rPr lang="fi-FI" sz="3200" dirty="0" smtClean="0"/>
-              <a:t>157 </a:t>
-            </a:r>
+              <a:t>157 yhteensä</a:t>
+            </a:r>
+          </a:p>
+          <a:p>
             <a:r>
               <a:rPr lang="fi-FI" sz="3200" dirty="0" smtClean="0"/>
-              <a:t>yhteensä</a:t>
-            </a:r>
-          </a:p>
-          <a:p>
-            <a:r>
-              <a:rPr lang="fi-FI" sz="3200" dirty="0" smtClean="0"/>
-              <a:t>Koodir</a:t>
-            </a:r>
-            <a:r>
-              <a:rPr lang="fi-FI" sz="3200" dirty="0" smtClean="0"/>
-              <a:t>ivejä </a:t>
-            </a:r>
-            <a:r>
-              <a:rPr lang="fi-FI" sz="3200" dirty="0" smtClean="0"/>
-              <a:t>noin 2400</a:t>
+              <a:t>Koodirivejä noin 2400</a:t>
             </a:r>
           </a:p>
           <a:p>
@@ -6086,11 +6072,7 @@
             </a:r>
             <a:r>
               <a:rPr lang="fi-FI" sz="3200" dirty="0" smtClean="0"/>
-              <a:t>320</a:t>
-            </a:r>
-            <a:r>
-              <a:rPr lang="fi-FI" sz="3200" dirty="0" smtClean="0"/>
-              <a:t> </a:t>
+              <a:t>320 </a:t>
             </a:r>
             <a:r>
               <a:rPr lang="fi-FI" sz="3200" dirty="0" err="1" smtClean="0"/>
